--- a/ecosystem_figure.pptx
+++ b/ecosystem_figure.pptx
@@ -6712,7 +6712,7 @@
           </a:fontRef>
         </p:style>
         <p:txBody>
-          <a:bodyPr vert="vert" rtlCol="0" anchor="b"/>
+          <a:bodyPr vert="vert" rtlCol="0" anchor="ctr"/>
           <a:lstStyle/>
           <a:p>
             <a:pPr algn="ctr"/>
@@ -6764,7 +6764,7 @@
           </a:fontRef>
         </p:style>
         <p:txBody>
-          <a:bodyPr vert="vert" rtlCol="0" anchor="b"/>
+          <a:bodyPr vert="vert" rtlCol="0" anchor="ctr"/>
           <a:lstStyle/>
           <a:p>
             <a:pPr algn="ctr"/>
